--- a/Week9/W3.05. Inserting Data and SQL Injection.pptx
+++ b/Week9/W3.05. Inserting Data and SQL Injection.pptx
@@ -176,6 +176,50 @@
 </p:presentation>
 </file>
 
+<file path=ppt/changesInfos/changesInfo1.xml><?xml version="1.0" encoding="utf-8"?>
+<pc:chgInfo xmlns:a="http://schemas.openxmlformats.org/drawingml/2006/main" xmlns:r="http://schemas.openxmlformats.org/officeDocument/2006/relationships" xmlns:ac="http://schemas.microsoft.com/office/drawing/2013/main/command" xmlns:pc="http://schemas.microsoft.com/office/powerpoint/2013/main/command">
+  <pc:docChgLst>
+    <pc:chgData name="Charles Kiefriter" userId="a996b49251c4dfd2" providerId="LiveId" clId="{4CFC323C-ED72-457D-B6AD-28BD085CEF8E}"/>
+    <pc:docChg chg="modSld">
+      <pc:chgData name="Charles Kiefriter" userId="a996b49251c4dfd2" providerId="LiveId" clId="{4CFC323C-ED72-457D-B6AD-28BD085CEF8E}" dt="2024-02-14T00:57:38.962" v="1" actId="14100"/>
+      <pc:docMkLst>
+        <pc:docMk/>
+      </pc:docMkLst>
+      <pc:sldChg chg="modSp mod">
+        <pc:chgData name="Charles Kiefriter" userId="a996b49251c4dfd2" providerId="LiveId" clId="{4CFC323C-ED72-457D-B6AD-28BD085CEF8E}" dt="2024-02-14T00:57:02.397" v="0" actId="14100"/>
+        <pc:sldMkLst>
+          <pc:docMk/>
+          <pc:sldMk cId="3191083525" sldId="263"/>
+        </pc:sldMkLst>
+        <pc:spChg chg="mod">
+          <ac:chgData name="Charles Kiefriter" userId="a996b49251c4dfd2" providerId="LiveId" clId="{4CFC323C-ED72-457D-B6AD-28BD085CEF8E}" dt="2024-02-14T00:57:02.397" v="0" actId="14100"/>
+          <ac:spMkLst>
+            <pc:docMk/>
+            <pc:sldMk cId="3191083525" sldId="263"/>
+            <ac:spMk id="3" creationId="{1E29BBEB-E30A-4142-AE0B-627A60CD51B3}"/>
+          </ac:spMkLst>
+        </pc:spChg>
+      </pc:sldChg>
+      <pc:sldChg chg="modSp mod">
+        <pc:chgData name="Charles Kiefriter" userId="a996b49251c4dfd2" providerId="LiveId" clId="{4CFC323C-ED72-457D-B6AD-28BD085CEF8E}" dt="2024-02-14T00:57:38.962" v="1" actId="14100"/>
+        <pc:sldMkLst>
+          <pc:docMk/>
+          <pc:sldMk cId="2339888875" sldId="266"/>
+        </pc:sldMkLst>
+        <pc:spChg chg="mod">
+          <ac:chgData name="Charles Kiefriter" userId="a996b49251c4dfd2" providerId="LiveId" clId="{4CFC323C-ED72-457D-B6AD-28BD085CEF8E}" dt="2024-02-14T00:57:38.962" v="1" actId="14100"/>
+          <ac:spMkLst>
+            <pc:docMk/>
+            <pc:sldMk cId="2339888875" sldId="266"/>
+            <ac:spMk id="3" creationId="{FE24A34A-6CF3-4CBE-A84D-128FA74495C3}"/>
+          </ac:spMkLst>
+        </pc:spChg>
+      </pc:sldChg>
+    </pc:docChg>
+  </pc:docChgLst>
+</pc:chgInfo>
+</file>
+
 <file path=ppt/notesMasters/notesMaster1.xml><?xml version="1.0" encoding="utf-8"?>
 <p:notesMaster xmlns:a="http://schemas.openxmlformats.org/drawingml/2006/main" xmlns:r="http://schemas.openxmlformats.org/officeDocument/2006/relationships" xmlns:p="http://schemas.openxmlformats.org/presentationml/2006/main">
   <p:cSld>
@@ -258,7 +302,7 @@
           <a:p>
             <a:fld id="{BF1BC3E4-C956-40CB-AFCD-8F927AFF366E}" type="datetimeFigureOut">
               <a:rPr lang="en-US" smtClean="0"/>
-              <a:t>1/7/2022</a:t>
+              <a:t>2/12/2024</a:t>
             </a:fld>
             <a:endParaRPr lang="en-US"/>
           </a:p>
@@ -769,7 +813,7 @@
           <a:p>
             <a:fld id="{548C5E67-172B-4F6A-B3B9-DEF72F952E5B}" type="datetimeFigureOut">
               <a:rPr lang="en-US" smtClean="0"/>
-              <a:t>1/7/2022</a:t>
+              <a:t>2/12/2024</a:t>
             </a:fld>
             <a:endParaRPr lang="en-US"/>
           </a:p>
@@ -973,7 +1017,7 @@
           <a:p>
             <a:fld id="{548C5E67-172B-4F6A-B3B9-DEF72F952E5B}" type="datetimeFigureOut">
               <a:rPr lang="en-US" smtClean="0"/>
-              <a:t>1/7/2022</a:t>
+              <a:t>2/12/2024</a:t>
             </a:fld>
             <a:endParaRPr lang="en-US"/>
           </a:p>
@@ -1167,7 +1211,7 @@
           <a:p>
             <a:fld id="{548C5E67-172B-4F6A-B3B9-DEF72F952E5B}" type="datetimeFigureOut">
               <a:rPr lang="en-US" smtClean="0"/>
-              <a:t>1/7/2022</a:t>
+              <a:t>2/12/2024</a:t>
             </a:fld>
             <a:endParaRPr lang="en-US"/>
           </a:p>
@@ -2212,7 +2256,7 @@
           <a:p>
             <a:fld id="{548C5E67-172B-4F6A-B3B9-DEF72F952E5B}" type="datetimeFigureOut">
               <a:rPr lang="en-US" smtClean="0"/>
-              <a:t>1/7/2022</a:t>
+              <a:t>2/12/2024</a:t>
             </a:fld>
             <a:endParaRPr lang="en-US"/>
           </a:p>
@@ -2493,7 +2537,7 @@
           <a:p>
             <a:fld id="{548C5E67-172B-4F6A-B3B9-DEF72F952E5B}" type="datetimeFigureOut">
               <a:rPr lang="en-US" smtClean="0"/>
-              <a:t>1/7/2022</a:t>
+              <a:t>2/12/2024</a:t>
             </a:fld>
             <a:endParaRPr lang="en-US"/>
           </a:p>
@@ -3261,7 +3305,12 @@
             <p:ph idx="1"/>
           </p:nvPr>
         </p:nvSpPr>
-        <p:spPr/>
+        <p:spPr>
+          <a:xfrm>
+            <a:off x="838200" y="1825625"/>
+            <a:ext cx="11093824" cy="4351338"/>
+          </a:xfrm>
+        </p:spPr>
         <p:txBody>
           <a:bodyPr/>
           <a:lstStyle/>
@@ -4389,7 +4438,12 @@
             <p:ph idx="1"/>
           </p:nvPr>
         </p:nvSpPr>
-        <p:spPr/>
+        <p:spPr>
+          <a:xfrm>
+            <a:off x="838200" y="1825625"/>
+            <a:ext cx="10851776" cy="4351338"/>
+          </a:xfrm>
+        </p:spPr>
         <p:txBody>
           <a:bodyPr/>
           <a:lstStyle/>
@@ -4451,7 +4505,7 @@
               <a:buAutoNum type="arabicPeriod"/>
             </a:pPr>
             <a:r>
-              <a:rPr lang="en-US"/>
+              <a:rPr lang="en-US" dirty="0"/>
               <a:t>Use typed </a:t>
             </a:r>
             <a:r>

--- a/Week9/W3.05. Inserting Data and SQL Injection.pptx
+++ b/Week9/W3.05. Inserting Data and SQL Injection.pptx
@@ -217,6 +217,75 @@
       </pc:sldChg>
     </pc:docChg>
   </pc:docChgLst>
+  <pc:docChgLst>
+    <pc:chgData name="Chuck Kiefriter" userId="a996b49251c4dfd2" providerId="LiveId" clId="{4CFC323C-ED72-457D-B6AD-28BD085CEF8E}"/>
+    <pc:docChg chg="modSld">
+      <pc:chgData name="Chuck Kiefriter" userId="a996b49251c4dfd2" providerId="LiveId" clId="{4CFC323C-ED72-457D-B6AD-28BD085CEF8E}" dt="2024-04-03T22:51:20.681" v="3" actId="14100"/>
+      <pc:docMkLst>
+        <pc:docMk/>
+      </pc:docMkLst>
+      <pc:sldChg chg="modSp mod">
+        <pc:chgData name="Chuck Kiefriter" userId="a996b49251c4dfd2" providerId="LiveId" clId="{4CFC323C-ED72-457D-B6AD-28BD085CEF8E}" dt="2024-04-03T22:46:14.999" v="0" actId="14100"/>
+        <pc:sldMkLst>
+          <pc:docMk/>
+          <pc:sldMk cId="685433898" sldId="259"/>
+        </pc:sldMkLst>
+        <pc:spChg chg="mod">
+          <ac:chgData name="Chuck Kiefriter" userId="a996b49251c4dfd2" providerId="LiveId" clId="{4CFC323C-ED72-457D-B6AD-28BD085CEF8E}" dt="2024-04-03T22:46:14.999" v="0" actId="14100"/>
+          <ac:spMkLst>
+            <pc:docMk/>
+            <pc:sldMk cId="685433898" sldId="259"/>
+            <ac:spMk id="4" creationId="{6114F914-1553-49E3-82C7-B75ADEED817B}"/>
+          </ac:spMkLst>
+        </pc:spChg>
+      </pc:sldChg>
+      <pc:sldChg chg="modSp mod">
+        <pc:chgData name="Chuck Kiefriter" userId="a996b49251c4dfd2" providerId="LiveId" clId="{4CFC323C-ED72-457D-B6AD-28BD085CEF8E}" dt="2024-04-03T22:46:34.817" v="1" actId="14100"/>
+        <pc:sldMkLst>
+          <pc:docMk/>
+          <pc:sldMk cId="3866484651" sldId="261"/>
+        </pc:sldMkLst>
+        <pc:spChg chg="mod">
+          <ac:chgData name="Chuck Kiefriter" userId="a996b49251c4dfd2" providerId="LiveId" clId="{4CFC323C-ED72-457D-B6AD-28BD085CEF8E}" dt="2024-04-03T22:46:34.817" v="1" actId="14100"/>
+          <ac:spMkLst>
+            <pc:docMk/>
+            <pc:sldMk cId="3866484651" sldId="261"/>
+            <ac:spMk id="3" creationId="{C90C949C-4CC8-4D47-BC14-FD9A54A80E7B}"/>
+          </ac:spMkLst>
+        </pc:spChg>
+      </pc:sldChg>
+      <pc:sldChg chg="modSp mod">
+        <pc:chgData name="Chuck Kiefriter" userId="a996b49251c4dfd2" providerId="LiveId" clId="{4CFC323C-ED72-457D-B6AD-28BD085CEF8E}" dt="2024-04-03T22:46:51.082" v="2" actId="14100"/>
+        <pc:sldMkLst>
+          <pc:docMk/>
+          <pc:sldMk cId="310555367" sldId="262"/>
+        </pc:sldMkLst>
+        <pc:spChg chg="mod">
+          <ac:chgData name="Chuck Kiefriter" userId="a996b49251c4dfd2" providerId="LiveId" clId="{4CFC323C-ED72-457D-B6AD-28BD085CEF8E}" dt="2024-04-03T22:46:51.082" v="2" actId="14100"/>
+          <ac:spMkLst>
+            <pc:docMk/>
+            <pc:sldMk cId="310555367" sldId="262"/>
+            <ac:spMk id="3" creationId="{33E8A50F-A246-499E-B772-5094F8EA5A7C}"/>
+          </ac:spMkLst>
+        </pc:spChg>
+      </pc:sldChg>
+      <pc:sldChg chg="modSp mod">
+        <pc:chgData name="Chuck Kiefriter" userId="a996b49251c4dfd2" providerId="LiveId" clId="{4CFC323C-ED72-457D-B6AD-28BD085CEF8E}" dt="2024-04-03T22:51:20.681" v="3" actId="14100"/>
+        <pc:sldMkLst>
+          <pc:docMk/>
+          <pc:sldMk cId="1897312303" sldId="276"/>
+        </pc:sldMkLst>
+        <pc:spChg chg="mod">
+          <ac:chgData name="Chuck Kiefriter" userId="a996b49251c4dfd2" providerId="LiveId" clId="{4CFC323C-ED72-457D-B6AD-28BD085CEF8E}" dt="2024-04-03T22:51:20.681" v="3" actId="14100"/>
+          <ac:spMkLst>
+            <pc:docMk/>
+            <pc:sldMk cId="1897312303" sldId="276"/>
+            <ac:spMk id="3" creationId="{12E3A4EF-8D84-4DDC-9488-AAF3239FED40}"/>
+          </ac:spMkLst>
+        </pc:spChg>
+      </pc:sldChg>
+    </pc:docChg>
+  </pc:docChgLst>
 </pc:chgInfo>
 </file>
 
@@ -302,7 +371,7 @@
           <a:p>
             <a:fld id="{BF1BC3E4-C956-40CB-AFCD-8F927AFF366E}" type="datetimeFigureOut">
               <a:rPr lang="en-US" smtClean="0"/>
-              <a:t>2/12/2024</a:t>
+              <a:t>4/3/2024</a:t>
             </a:fld>
             <a:endParaRPr lang="en-US"/>
           </a:p>
@@ -813,7 +882,7 @@
           <a:p>
             <a:fld id="{548C5E67-172B-4F6A-B3B9-DEF72F952E5B}" type="datetimeFigureOut">
               <a:rPr lang="en-US" smtClean="0"/>
-              <a:t>2/12/2024</a:t>
+              <a:t>4/3/2024</a:t>
             </a:fld>
             <a:endParaRPr lang="en-US"/>
           </a:p>
@@ -1017,7 +1086,7 @@
           <a:p>
             <a:fld id="{548C5E67-172B-4F6A-B3B9-DEF72F952E5B}" type="datetimeFigureOut">
               <a:rPr lang="en-US" smtClean="0"/>
-              <a:t>2/12/2024</a:t>
+              <a:t>4/3/2024</a:t>
             </a:fld>
             <a:endParaRPr lang="en-US"/>
           </a:p>
@@ -1211,7 +1280,7 @@
           <a:p>
             <a:fld id="{548C5E67-172B-4F6A-B3B9-DEF72F952E5B}" type="datetimeFigureOut">
               <a:rPr lang="en-US" smtClean="0"/>
-              <a:t>2/12/2024</a:t>
+              <a:t>4/3/2024</a:t>
             </a:fld>
             <a:endParaRPr lang="en-US"/>
           </a:p>
@@ -2256,7 +2325,7 @@
           <a:p>
             <a:fld id="{548C5E67-172B-4F6A-B3B9-DEF72F952E5B}" type="datetimeFigureOut">
               <a:rPr lang="en-US" smtClean="0"/>
-              <a:t>2/12/2024</a:t>
+              <a:t>4/3/2024</a:t>
             </a:fld>
             <a:endParaRPr lang="en-US"/>
           </a:p>
@@ -2537,7 +2606,7 @@
           <a:p>
             <a:fld id="{548C5E67-172B-4F6A-B3B9-DEF72F952E5B}" type="datetimeFigureOut">
               <a:rPr lang="en-US" smtClean="0"/>
-              <a:t>2/12/2024</a:t>
+              <a:t>4/3/2024</a:t>
             </a:fld>
             <a:endParaRPr lang="en-US"/>
           </a:p>
@@ -4233,7 +4302,7 @@
         <p:spPr>
           <a:xfrm>
             <a:off x="838200" y="1485900"/>
-            <a:ext cx="6045200" cy="5006975"/>
+            <a:ext cx="10866120" cy="5006975"/>
           </a:xfrm>
         </p:spPr>
         <p:txBody>
@@ -6649,7 +6718,7 @@
         <p:spPr>
           <a:xfrm>
             <a:off x="838200" y="1987549"/>
-            <a:ext cx="6337300" cy="2670175"/>
+            <a:ext cx="11049000" cy="2670175"/>
           </a:xfrm>
           <a:prstGeom prst="rect">
             <a:avLst/>
@@ -7419,7 +7488,7 @@
         <p:spPr>
           <a:xfrm>
             <a:off x="838200" y="1825625"/>
-            <a:ext cx="7100944" cy="1006475"/>
+            <a:ext cx="10591800" cy="1006475"/>
           </a:xfrm>
         </p:spPr>
         <p:txBody>
@@ -7811,7 +7880,7 @@
         <p:spPr>
           <a:xfrm>
             <a:off x="838200" y="1825625"/>
-            <a:ext cx="7100944" cy="1325563"/>
+            <a:ext cx="11039856" cy="1325563"/>
           </a:xfrm>
         </p:spPr>
         <p:txBody>
